--- a/Certificados Digitales para Entidades Publicas con Blockchain Jueves.pptx
+++ b/Certificados Digitales para Entidades Publicas con Blockchain Jueves.pptx
@@ -6,7 +6,7 @@
     <p:sldMasterId id="2147483660" r:id="rId2"/>
   </p:sldMasterIdLst>
   <p:notesMasterIdLst>
-    <p:notesMasterId r:id="rId17"/>
+    <p:notesMasterId r:id="rId19"/>
   </p:notesMasterIdLst>
   <p:sldIdLst>
     <p:sldId id="256" r:id="rId3"/>
@@ -17,12 +17,14 @@
     <p:sldId id="288" r:id="rId8"/>
     <p:sldId id="278" r:id="rId9"/>
     <p:sldId id="277" r:id="rId10"/>
-    <p:sldId id="285" r:id="rId11"/>
-    <p:sldId id="281" r:id="rId12"/>
-    <p:sldId id="282" r:id="rId13"/>
-    <p:sldId id="283" r:id="rId14"/>
-    <p:sldId id="284" r:id="rId15"/>
-    <p:sldId id="276" r:id="rId16"/>
+    <p:sldId id="289" r:id="rId11"/>
+    <p:sldId id="290" r:id="rId12"/>
+    <p:sldId id="285" r:id="rId13"/>
+    <p:sldId id="281" r:id="rId14"/>
+    <p:sldId id="282" r:id="rId15"/>
+    <p:sldId id="283" r:id="rId16"/>
+    <p:sldId id="284" r:id="rId17"/>
+    <p:sldId id="276" r:id="rId18"/>
   </p:sldIdLst>
   <p:sldSz cx="9144000" cy="6858000" type="screen4x3"/>
   <p:notesSz cx="6858000" cy="9144000"/>
@@ -5376,6 +5378,329 @@
           <a:chExt cx="0" cy="0"/>
         </a:xfrm>
       </p:grpSpPr>
+      <p:sp>
+        <p:nvSpPr>
+          <p:cNvPr id="2" name="Título 1">
+            <a:extLst>
+              <a:ext uri="{FF2B5EF4-FFF2-40B4-BE49-F238E27FC236}">
+                <a16:creationId xmlns:a16="http://schemas.microsoft.com/office/drawing/2014/main" id="{DA57E1CD-2113-4989-9E2B-95C4C2999137}"/>
+              </a:ext>
+            </a:extLst>
+          </p:cNvPr>
+          <p:cNvSpPr>
+            <a:spLocks noGrp="1"/>
+          </p:cNvSpPr>
+          <p:nvPr>
+            <p:ph type="title"/>
+          </p:nvPr>
+        </p:nvSpPr>
+        <p:spPr/>
+        <p:txBody>
+          <a:bodyPr/>
+          <a:lstStyle/>
+          <a:p>
+            <a:r>
+              <a:rPr lang="es-MX" dirty="0"/>
+              <a:t>Como configurar </a:t>
+            </a:r>
+            <a:r>
+              <a:rPr lang="es-MX" dirty="0" err="1"/>
+              <a:t>Cerver</a:t>
+            </a:r>
+            <a:r>
+              <a:rPr lang="es-MX" dirty="0"/>
+              <a:t> API?</a:t>
+            </a:r>
+          </a:p>
+        </p:txBody>
+      </p:sp>
+      <p:sp>
+        <p:nvSpPr>
+          <p:cNvPr id="3" name="Marcador de contenido 2">
+            <a:extLst>
+              <a:ext uri="{FF2B5EF4-FFF2-40B4-BE49-F238E27FC236}">
+                <a16:creationId xmlns:a16="http://schemas.microsoft.com/office/drawing/2014/main" id="{85387F5F-35BB-4F41-A1F2-9CB3B1ADD300}"/>
+              </a:ext>
+            </a:extLst>
+          </p:cNvPr>
+          <p:cNvSpPr>
+            <a:spLocks noGrp="1"/>
+          </p:cNvSpPr>
+          <p:nvPr>
+            <p:ph idx="1"/>
+          </p:nvPr>
+        </p:nvSpPr>
+        <p:spPr/>
+        <p:txBody>
+          <a:bodyPr/>
+          <a:lstStyle/>
+          <a:p>
+            <a:r>
+              <a:rPr lang="es-MX" dirty="0"/>
+              <a:t>Log-in Usuario (funcionario publico, IT).</a:t>
+            </a:r>
+          </a:p>
+          <a:p>
+            <a:r>
+              <a:rPr lang="es-MX" dirty="0"/>
+              <a:t>Generación de API Key</a:t>
+            </a:r>
+          </a:p>
+          <a:p>
+            <a:r>
+              <a:rPr lang="es-MX" dirty="0"/>
+              <a:t>Documentación (generación </a:t>
+            </a:r>
+            <a:r>
+              <a:rPr lang="es-MX" dirty="0" err="1"/>
+              <a:t>abstraccion</a:t>
+            </a:r>
+            <a:r>
+              <a:rPr lang="es-MX" dirty="0"/>
+              <a:t>)</a:t>
+            </a:r>
+          </a:p>
+          <a:p>
+            <a:pPr lvl="1"/>
+            <a:r>
+              <a:rPr lang="es-MX" dirty="0"/>
+              <a:t>Estructura de los </a:t>
+            </a:r>
+            <a:r>
+              <a:rPr lang="es-MX" dirty="0" err="1"/>
+              <a:t>endpoints</a:t>
+            </a:r>
+            <a:endParaRPr lang="es-MX" dirty="0"/>
+          </a:p>
+          <a:p>
+            <a:pPr marL="914400" lvl="2" indent="0">
+              <a:buNone/>
+            </a:pPr>
+            <a:r>
+              <a:rPr lang="es-MX" dirty="0"/>
+              <a:t>POST/GET: https://api.cerver.co/abstraction</a:t>
+            </a:r>
+          </a:p>
+          <a:p>
+            <a:pPr lvl="1"/>
+            <a:r>
+              <a:rPr lang="es-MX" dirty="0"/>
+              <a:t>Atributos, </a:t>
+            </a:r>
+            <a:r>
+              <a:rPr lang="es-MX" dirty="0" err="1"/>
+              <a:t>headers</a:t>
+            </a:r>
+            <a:r>
+              <a:rPr lang="es-MX" dirty="0"/>
+              <a:t>.</a:t>
+            </a:r>
+          </a:p>
+          <a:p>
+            <a:pPr lvl="1"/>
+            <a:r>
+              <a:rPr lang="es-MX" dirty="0" err="1"/>
+              <a:t>Body</a:t>
+            </a:r>
+            <a:r>
+              <a:rPr lang="es-MX" dirty="0"/>
+              <a:t> / Response</a:t>
+            </a:r>
+          </a:p>
+          <a:p>
+            <a:endParaRPr lang="es-MX" dirty="0"/>
+          </a:p>
+        </p:txBody>
+      </p:sp>
+    </p:spTree>
+    <p:extLst>
+      <p:ext uri="{BB962C8B-B14F-4D97-AF65-F5344CB8AC3E}">
+        <p14:creationId xmlns:p14="http://schemas.microsoft.com/office/powerpoint/2010/main" val="106180752"/>
+      </p:ext>
+    </p:extLst>
+  </p:cSld>
+  <p:clrMapOvr>
+    <a:masterClrMapping/>
+  </p:clrMapOvr>
+</p:sld>
+</file>
+
+<file path=ppt/slides/slide11.xml><?xml version="1.0" encoding="utf-8"?>
+<p:sld xmlns:a="http://schemas.openxmlformats.org/drawingml/2006/main" xmlns:r="http://schemas.openxmlformats.org/officeDocument/2006/relationships" xmlns:p="http://schemas.openxmlformats.org/presentationml/2006/main">
+  <p:cSld>
+    <p:spTree>
+      <p:nvGrpSpPr>
+        <p:cNvPr id="1" name=""/>
+        <p:cNvGrpSpPr/>
+        <p:nvPr/>
+      </p:nvGrpSpPr>
+      <p:grpSpPr>
+        <a:xfrm>
+          <a:off x="0" y="0"/>
+          <a:ext cx="0" cy="0"/>
+          <a:chOff x="0" y="0"/>
+          <a:chExt cx="0" cy="0"/>
+        </a:xfrm>
+      </p:grpSpPr>
+      <p:sp>
+        <p:nvSpPr>
+          <p:cNvPr id="2" name="Título 1">
+            <a:extLst>
+              <a:ext uri="{FF2B5EF4-FFF2-40B4-BE49-F238E27FC236}">
+                <a16:creationId xmlns:a16="http://schemas.microsoft.com/office/drawing/2014/main" id="{7E82D042-4F32-4476-BAC2-5003ECB43143}"/>
+              </a:ext>
+            </a:extLst>
+          </p:cNvPr>
+          <p:cNvSpPr>
+            <a:spLocks noGrp="1"/>
+          </p:cNvSpPr>
+          <p:nvPr>
+            <p:ph type="title"/>
+          </p:nvPr>
+        </p:nvSpPr>
+        <p:spPr/>
+        <p:txBody>
+          <a:bodyPr>
+            <a:normAutofit fontScale="90000"/>
+          </a:bodyPr>
+          <a:lstStyle/>
+          <a:p>
+            <a:r>
+              <a:rPr lang="es-MX" dirty="0"/>
+              <a:t>Cómo funciona el validador universal?</a:t>
+            </a:r>
+          </a:p>
+        </p:txBody>
+      </p:sp>
+      <p:sp>
+        <p:nvSpPr>
+          <p:cNvPr id="3" name="Marcador de contenido 2">
+            <a:extLst>
+              <a:ext uri="{FF2B5EF4-FFF2-40B4-BE49-F238E27FC236}">
+                <a16:creationId xmlns:a16="http://schemas.microsoft.com/office/drawing/2014/main" id="{BA2FD472-6B90-48A7-BFF3-E27E6D504DAD}"/>
+              </a:ext>
+            </a:extLst>
+          </p:cNvPr>
+          <p:cNvSpPr>
+            <a:spLocks noGrp="1"/>
+          </p:cNvSpPr>
+          <p:nvPr>
+            <p:ph idx="1"/>
+          </p:nvPr>
+        </p:nvSpPr>
+        <p:spPr>
+          <a:xfrm>
+            <a:off x="457200" y="1600200"/>
+            <a:ext cx="8229600" cy="4637112"/>
+          </a:xfrm>
+        </p:spPr>
+        <p:txBody>
+          <a:bodyPr>
+            <a:normAutofit/>
+          </a:bodyPr>
+          <a:lstStyle/>
+          <a:p>
+            <a:pPr marL="514350" indent="-514350">
+              <a:buFont typeface="+mj-lt"/>
+              <a:buAutoNum type="arabicPeriod"/>
+            </a:pPr>
+            <a:r>
+              <a:rPr lang="es-MX" dirty="0"/>
+              <a:t>Validador toma el certificado (que contiene la </a:t>
+            </a:r>
+            <a:r>
+              <a:rPr lang="es-MX" dirty="0" err="1"/>
+              <a:t>metadata</a:t>
+            </a:r>
+            <a:r>
+              <a:rPr lang="es-MX" dirty="0"/>
+              <a:t> </a:t>
+            </a:r>
+            <a:r>
+              <a:rPr lang="es-MX" dirty="0" err="1"/>
+              <a:t>p.e</a:t>
+            </a:r>
+            <a:r>
+              <a:rPr lang="es-MX" dirty="0"/>
+              <a:t>. en un QR)</a:t>
+            </a:r>
+          </a:p>
+          <a:p>
+            <a:pPr marL="571500" indent="-514350">
+              <a:buFont typeface="+mj-lt"/>
+              <a:buAutoNum type="arabicPeriod"/>
+            </a:pPr>
+            <a:r>
+              <a:rPr lang="es-MX" dirty="0"/>
+              <a:t>Genera el hash.</a:t>
+            </a:r>
+          </a:p>
+          <a:p>
+            <a:pPr marL="571500" indent="-514350">
+              <a:buFont typeface="+mj-lt"/>
+              <a:buAutoNum type="arabicPeriod"/>
+            </a:pPr>
+            <a:r>
+              <a:rPr lang="es-MX" dirty="0"/>
+              <a:t>Consulta el hash contra la abstracción (en el </a:t>
+            </a:r>
+            <a:r>
+              <a:rPr lang="es-MX" dirty="0" err="1"/>
+              <a:t>blockchain</a:t>
+            </a:r>
+            <a:r>
+              <a:rPr lang="es-MX" dirty="0"/>
+              <a:t>) consultando la API.</a:t>
+            </a:r>
+          </a:p>
+          <a:p>
+            <a:pPr marL="571500" indent="-514350">
+              <a:buFont typeface="+mj-lt"/>
+              <a:buAutoNum type="arabicPeriod"/>
+            </a:pPr>
+            <a:r>
+              <a:rPr lang="es-MX" dirty="0"/>
+              <a:t>Reporta si el certificado es valido.</a:t>
+            </a:r>
+          </a:p>
+          <a:p>
+            <a:endParaRPr lang="es-MX" dirty="0"/>
+          </a:p>
+          <a:p>
+            <a:endParaRPr lang="es-MX" dirty="0"/>
+          </a:p>
+        </p:txBody>
+      </p:sp>
+    </p:spTree>
+    <p:extLst>
+      <p:ext uri="{BB962C8B-B14F-4D97-AF65-F5344CB8AC3E}">
+        <p14:creationId xmlns:p14="http://schemas.microsoft.com/office/powerpoint/2010/main" val="4173920557"/>
+      </p:ext>
+    </p:extLst>
+  </p:cSld>
+  <p:clrMapOvr>
+    <a:masterClrMapping/>
+  </p:clrMapOvr>
+</p:sld>
+</file>
+
+<file path=ppt/slides/slide12.xml><?xml version="1.0" encoding="utf-8"?>
+<p:sld xmlns:a="http://schemas.openxmlformats.org/drawingml/2006/main" xmlns:r="http://schemas.openxmlformats.org/officeDocument/2006/relationships" xmlns:p="http://schemas.openxmlformats.org/presentationml/2006/main">
+  <p:cSld>
+    <p:spTree>
+      <p:nvGrpSpPr>
+        <p:cNvPr id="1" name=""/>
+        <p:cNvGrpSpPr/>
+        <p:nvPr/>
+      </p:nvGrpSpPr>
+      <p:grpSpPr>
+        <a:xfrm>
+          <a:off x="0" y="0"/>
+          <a:ext cx="0" cy="0"/>
+          <a:chOff x="0" y="0"/>
+          <a:chExt cx="0" cy="0"/>
+        </a:xfrm>
+      </p:grpSpPr>
       <p:pic>
         <p:nvPicPr>
           <p:cNvPr id="5" name="Marcador de contenido 4" descr="Captura de pantalla de un celular&#10;&#10;Descripción generada automáticamente">
@@ -5424,7 +5749,7 @@
 </p:sld>
 </file>
 
-<file path=ppt/slides/slide11.xml><?xml version="1.0" encoding="utf-8"?>
+<file path=ppt/slides/slide13.xml><?xml version="1.0" encoding="utf-8"?>
 <p:sld xmlns:a="http://schemas.openxmlformats.org/drawingml/2006/main" xmlns:r="http://schemas.openxmlformats.org/officeDocument/2006/relationships" xmlns:p="http://schemas.openxmlformats.org/presentationml/2006/main">
   <p:cSld>
     <p:spTree>
@@ -5489,7 +5814,7 @@
 </p:sld>
 </file>
 
-<file path=ppt/slides/slide12.xml><?xml version="1.0" encoding="utf-8"?>
+<file path=ppt/slides/slide14.xml><?xml version="1.0" encoding="utf-8"?>
 <p:sld xmlns:a="http://schemas.openxmlformats.org/drawingml/2006/main" xmlns:r="http://schemas.openxmlformats.org/officeDocument/2006/relationships" xmlns:p="http://schemas.openxmlformats.org/presentationml/2006/main">
   <p:cSld>
     <p:spTree>
@@ -5554,7 +5879,7 @@
 </p:sld>
 </file>
 
-<file path=ppt/slides/slide13.xml><?xml version="1.0" encoding="utf-8"?>
+<file path=ppt/slides/slide15.xml><?xml version="1.0" encoding="utf-8"?>
 <p:sld xmlns:a="http://schemas.openxmlformats.org/drawingml/2006/main" xmlns:r="http://schemas.openxmlformats.org/officeDocument/2006/relationships" xmlns:p="http://schemas.openxmlformats.org/presentationml/2006/main">
   <p:cSld>
     <p:spTree>
@@ -5619,7 +5944,7 @@
 </p:sld>
 </file>
 
-<file path=ppt/slides/slide14.xml><?xml version="1.0" encoding="utf-8"?>
+<file path=ppt/slides/slide16.xml><?xml version="1.0" encoding="utf-8"?>
 <p:sld xmlns:a="http://schemas.openxmlformats.org/drawingml/2006/main" xmlns:r="http://schemas.openxmlformats.org/officeDocument/2006/relationships" xmlns:p="http://schemas.openxmlformats.org/presentationml/2006/main">
   <p:cSld>
     <p:spTree>
@@ -6154,7 +6479,7 @@
         <p:spPr/>
         <p:txBody>
           <a:bodyPr>
-            <a:normAutofit fontScale="92500" lnSpcReduction="10000"/>
+            <a:normAutofit fontScale="92500" lnSpcReduction="20000"/>
           </a:bodyPr>
           <a:lstStyle/>
           <a:p>
@@ -6166,7 +6491,7 @@
           <a:p>
             <a:r>
               <a:rPr lang="es-MX" dirty="0"/>
-              <a:t>Estándar basado en </a:t>
+              <a:t>Modelo de datos (estándar) basado en </a:t>
             </a:r>
             <a:r>
               <a:rPr lang="es-MX" dirty="0" err="1"/>
@@ -6202,7 +6527,15 @@
           <a:p>
             <a:r>
               <a:rPr lang="es-MX" dirty="0"/>
-              <a:t>La solución funciona sobre las aplicaciones web existentes de las entidades.</a:t>
+              <a:t>API </a:t>
+            </a:r>
+            <a:r>
+              <a:rPr lang="es-MX" dirty="0" err="1"/>
+              <a:t>Cerver</a:t>
+            </a:r>
+            <a:r>
+              <a:rPr lang="es-MX" dirty="0"/>
+              <a:t> permite la integración de los procesos de emisión de las entidades a un registro compartido de abstracciones.</a:t>
             </a:r>
           </a:p>
           <a:p>
@@ -6722,7 +7055,7 @@
           <p:cNvPr id="2" name="Título 1">
             <a:extLst>
               <a:ext uri="{FF2B5EF4-FFF2-40B4-BE49-F238E27FC236}">
-                <a16:creationId xmlns:a16="http://schemas.microsoft.com/office/drawing/2014/main" id="{7E82D042-4F32-4476-BAC2-5003ECB43143}"/>
+                <a16:creationId xmlns:a16="http://schemas.microsoft.com/office/drawing/2014/main" id="{637E850C-317A-4BEC-9893-EEEE703D7225}"/>
               </a:ext>
             </a:extLst>
           </p:cNvPr>
@@ -6742,114 +7075,58 @@
           <a:p>
             <a:r>
               <a:rPr lang="es-MX" dirty="0"/>
-              <a:t>Cómo funciona el validador universal?</a:t>
-            </a:r>
-          </a:p>
-        </p:txBody>
-      </p:sp>
-      <p:sp>
-        <p:nvSpPr>
-          <p:cNvPr id="3" name="Marcador de contenido 2">
+              <a:t>Modelo de dato interoperable entre </a:t>
+            </a:r>
+            <a:r>
+              <a:rPr lang="es-MX" dirty="0" err="1"/>
+              <a:t>blockchains</a:t>
+            </a:r>
+            <a:r>
+              <a:rPr lang="es-MX" dirty="0"/>
+              <a:t>: certificado y abstracción</a:t>
+            </a:r>
+          </a:p>
+        </p:txBody>
+      </p:sp>
+      <p:pic>
+        <p:nvPicPr>
+          <p:cNvPr id="9" name="Marcador de contenido 8" descr="Captura de pantalla de un celular&#10;&#10;Descripción generada automáticamente">
             <a:extLst>
               <a:ext uri="{FF2B5EF4-FFF2-40B4-BE49-F238E27FC236}">
-                <a16:creationId xmlns:a16="http://schemas.microsoft.com/office/drawing/2014/main" id="{BA2FD472-6B90-48A7-BFF3-E27E6D504DAD}"/>
+                <a16:creationId xmlns:a16="http://schemas.microsoft.com/office/drawing/2014/main" id="{C5FC476D-AAED-4F57-8F74-CD44DF2D7869}"/>
               </a:ext>
             </a:extLst>
           </p:cNvPr>
-          <p:cNvSpPr>
-            <a:spLocks noGrp="1"/>
-          </p:cNvSpPr>
+          <p:cNvPicPr>
+            <a:picLocks noGrp="1" noChangeAspect="1"/>
+          </p:cNvPicPr>
           <p:nvPr>
             <p:ph idx="1"/>
           </p:nvPr>
-        </p:nvSpPr>
+        </p:nvPicPr>
+        <p:blipFill>
+          <a:blip r:embed="rId2">
+            <a:extLst>
+              <a:ext uri="{28A0092B-C50C-407E-A947-70E740481C1C}">
+                <a14:useLocalDpi xmlns:a14="http://schemas.microsoft.com/office/drawing/2010/main" val="0"/>
+              </a:ext>
+            </a:extLst>
+          </a:blip>
+          <a:stretch>
+            <a:fillRect/>
+          </a:stretch>
+        </p:blipFill>
         <p:spPr>
           <a:xfrm>
-            <a:off x="457200" y="1600200"/>
-            <a:ext cx="8229600" cy="4637112"/>
+            <a:off x="765920" y="1383539"/>
+            <a:ext cx="7920880" cy="5310901"/>
           </a:xfrm>
         </p:spPr>
-        <p:txBody>
-          <a:bodyPr>
-            <a:normAutofit/>
-          </a:bodyPr>
-          <a:lstStyle/>
-          <a:p>
-            <a:pPr marL="514350" indent="-514350">
-              <a:buFont typeface="+mj-lt"/>
-              <a:buAutoNum type="arabicPeriod"/>
-            </a:pPr>
-            <a:r>
-              <a:rPr lang="es-MX" dirty="0"/>
-              <a:t>Validador toma el certificado (que contiene la </a:t>
-            </a:r>
-            <a:r>
-              <a:rPr lang="es-MX" dirty="0" err="1"/>
-              <a:t>metadata</a:t>
-            </a:r>
-            <a:r>
-              <a:rPr lang="es-MX" dirty="0"/>
-              <a:t> </a:t>
-            </a:r>
-            <a:r>
-              <a:rPr lang="es-MX" dirty="0" err="1"/>
-              <a:t>p.e</a:t>
-            </a:r>
-            <a:r>
-              <a:rPr lang="es-MX" dirty="0"/>
-              <a:t>. en un QR)</a:t>
-            </a:r>
-          </a:p>
-          <a:p>
-            <a:pPr marL="571500" indent="-514350">
-              <a:buFont typeface="+mj-lt"/>
-              <a:buAutoNum type="arabicPeriod"/>
-            </a:pPr>
-            <a:r>
-              <a:rPr lang="es-MX" dirty="0"/>
-              <a:t>Genera el hash.</a:t>
-            </a:r>
-          </a:p>
-          <a:p>
-            <a:pPr marL="571500" indent="-514350">
-              <a:buFont typeface="+mj-lt"/>
-              <a:buAutoNum type="arabicPeriod"/>
-            </a:pPr>
-            <a:r>
-              <a:rPr lang="es-MX" dirty="0"/>
-              <a:t>Consulta el hash contra la abstracción (en el </a:t>
-            </a:r>
-            <a:r>
-              <a:rPr lang="es-MX" dirty="0" err="1"/>
-              <a:t>blockchain</a:t>
-            </a:r>
-            <a:r>
-              <a:rPr lang="es-MX" dirty="0"/>
-              <a:t>) consultando la API.</a:t>
-            </a:r>
-          </a:p>
-          <a:p>
-            <a:pPr marL="571500" indent="-514350">
-              <a:buFont typeface="+mj-lt"/>
-              <a:buAutoNum type="arabicPeriod"/>
-            </a:pPr>
-            <a:r>
-              <a:rPr lang="es-MX" dirty="0"/>
-              <a:t>Reporta si el certificado es valido.</a:t>
-            </a:r>
-          </a:p>
-          <a:p>
-            <a:endParaRPr lang="es-MX" dirty="0"/>
-          </a:p>
-          <a:p>
-            <a:endParaRPr lang="es-MX" dirty="0"/>
-          </a:p>
-        </p:txBody>
-      </p:sp>
+      </p:pic>
     </p:spTree>
     <p:extLst>
       <p:ext uri="{BB962C8B-B14F-4D97-AF65-F5344CB8AC3E}">
-        <p14:creationId xmlns:p14="http://schemas.microsoft.com/office/powerpoint/2010/main" val="4173920557"/>
+        <p14:creationId xmlns:p14="http://schemas.microsoft.com/office/powerpoint/2010/main" val="3666623456"/>
       </p:ext>
     </p:extLst>
   </p:cSld>
